--- a/Project/제출용/2차 발표.pptx
+++ b/Project/제출용/2차 발표.pptx
@@ -7,12 +7,10 @@
   <p:sldIdLst>
     <p:sldId id="256" r:id="rId2"/>
     <p:sldId id="258" r:id="rId3"/>
-    <p:sldId id="259" r:id="rId4"/>
-    <p:sldId id="262" r:id="rId5"/>
-    <p:sldId id="261" r:id="rId6"/>
-    <p:sldId id="260" r:id="rId7"/>
-    <p:sldId id="263" r:id="rId8"/>
-    <p:sldId id="264" r:id="rId9"/>
+    <p:sldId id="260" r:id="rId4"/>
+    <p:sldId id="263" r:id="rId5"/>
+    <p:sldId id="265" r:id="rId6"/>
+    <p:sldId id="266" r:id="rId7"/>
   </p:sldIdLst>
   <p:sldSz cx="12192000" cy="6858000"/>
   <p:notesSz cx="6858000" cy="9144000"/>
@@ -345,7 +343,7 @@
           <a:p>
             <a:fld id="{1AE69FE4-68FA-4322-8FD3-4FE44DC8E21C}" type="datetimeFigureOut">
               <a:rPr lang="ko-KR" altLang="en-US" smtClean="0"/>
-              <a:t>2018-09-26</a:t>
+              <a:t>2018-11-05</a:t>
             </a:fld>
             <a:endParaRPr lang="ko-KR" altLang="en-US" dirty="0"/>
           </a:p>
@@ -553,7 +551,7 @@
           <a:p>
             <a:fld id="{1AE69FE4-68FA-4322-8FD3-4FE44DC8E21C}" type="datetimeFigureOut">
               <a:rPr lang="ko-KR" altLang="en-US" smtClean="0"/>
-              <a:t>2018-09-26</a:t>
+              <a:t>2018-11-05</a:t>
             </a:fld>
             <a:endParaRPr lang="ko-KR" altLang="en-US" dirty="0"/>
           </a:p>
@@ -809,7 +807,7 @@
           <a:p>
             <a:fld id="{1AE69FE4-68FA-4322-8FD3-4FE44DC8E21C}" type="datetimeFigureOut">
               <a:rPr lang="ko-KR" altLang="en-US" smtClean="0"/>
-              <a:t>2018-09-26</a:t>
+              <a:t>2018-11-05</a:t>
             </a:fld>
             <a:endParaRPr lang="ko-KR" altLang="en-US" dirty="0"/>
           </a:p>
@@ -983,7 +981,7 @@
           <a:p>
             <a:fld id="{1AE69FE4-68FA-4322-8FD3-4FE44DC8E21C}" type="datetimeFigureOut">
               <a:rPr lang="ko-KR" altLang="en-US" smtClean="0"/>
-              <a:t>2018-09-26</a:t>
+              <a:t>2018-11-05</a:t>
             </a:fld>
             <a:endParaRPr lang="ko-KR" altLang="en-US" dirty="0"/>
           </a:p>
@@ -1326,7 +1324,7 @@
           <a:p>
             <a:fld id="{1AE69FE4-68FA-4322-8FD3-4FE44DC8E21C}" type="datetimeFigureOut">
               <a:rPr lang="ko-KR" altLang="en-US" smtClean="0"/>
-              <a:t>2018-09-26</a:t>
+              <a:t>2018-11-05</a:t>
             </a:fld>
             <a:endParaRPr lang="ko-KR" altLang="en-US" dirty="0"/>
           </a:p>
@@ -1601,7 +1599,7 @@
           <a:p>
             <a:fld id="{1AE69FE4-68FA-4322-8FD3-4FE44DC8E21C}" type="datetimeFigureOut">
               <a:rPr lang="ko-KR" altLang="en-US" smtClean="0"/>
-              <a:t>2018-09-26</a:t>
+              <a:t>2018-11-05</a:t>
             </a:fld>
             <a:endParaRPr lang="ko-KR" altLang="en-US" dirty="0"/>
           </a:p>
@@ -1980,7 +1978,7 @@
           <a:p>
             <a:fld id="{1AE69FE4-68FA-4322-8FD3-4FE44DC8E21C}" type="datetimeFigureOut">
               <a:rPr lang="ko-KR" altLang="en-US" smtClean="0"/>
-              <a:t>2018-09-26</a:t>
+              <a:t>2018-11-05</a:t>
             </a:fld>
             <a:endParaRPr lang="ko-KR" altLang="en-US" dirty="0"/>
           </a:p>
@@ -2098,7 +2096,7 @@
           <a:p>
             <a:fld id="{1AE69FE4-68FA-4322-8FD3-4FE44DC8E21C}" type="datetimeFigureOut">
               <a:rPr lang="ko-KR" altLang="en-US" smtClean="0"/>
-              <a:t>2018-09-26</a:t>
+              <a:t>2018-11-05</a:t>
             </a:fld>
             <a:endParaRPr lang="ko-KR" altLang="en-US" dirty="0"/>
           </a:p>
@@ -2269,7 +2267,7 @@
           <a:p>
             <a:fld id="{1AE69FE4-68FA-4322-8FD3-4FE44DC8E21C}" type="datetimeFigureOut">
               <a:rPr lang="ko-KR" altLang="en-US" smtClean="0"/>
-              <a:t>2018-09-26</a:t>
+              <a:t>2018-11-05</a:t>
             </a:fld>
             <a:endParaRPr lang="ko-KR" altLang="en-US" dirty="0"/>
           </a:p>
@@ -2623,7 +2621,7 @@
           <a:p>
             <a:fld id="{1AE69FE4-68FA-4322-8FD3-4FE44DC8E21C}" type="datetimeFigureOut">
               <a:rPr lang="ko-KR" altLang="en-US" smtClean="0"/>
-              <a:t>2018-09-26</a:t>
+              <a:t>2018-11-05</a:t>
             </a:fld>
             <a:endParaRPr lang="ko-KR" altLang="en-US" dirty="0"/>
           </a:p>
@@ -3005,7 +3003,7 @@
           <a:p>
             <a:fld id="{1AE69FE4-68FA-4322-8FD3-4FE44DC8E21C}" type="datetimeFigureOut">
               <a:rPr lang="ko-KR" altLang="en-US" smtClean="0"/>
-              <a:t>2018-09-26</a:t>
+              <a:t>2018-11-05</a:t>
             </a:fld>
             <a:endParaRPr lang="ko-KR" altLang="en-US" dirty="0"/>
           </a:p>
@@ -3292,7 +3290,7 @@
           <a:p>
             <a:fld id="{1AE69FE4-68FA-4322-8FD3-4FE44DC8E21C}" type="datetimeFigureOut">
               <a:rPr lang="ko-KR" altLang="en-US" smtClean="0"/>
-              <a:t>2018-09-26</a:t>
+              <a:t>2018-11-05</a:t>
             </a:fld>
             <a:endParaRPr lang="ko-KR" altLang="en-US" dirty="0"/>
           </a:p>
@@ -3871,7 +3869,7 @@
             <a:pPr algn="r"/>
             <a:r>
               <a:rPr lang="en-US" altLang="ko-KR" dirty="0"/>
-              <a:t>2DGP 1</a:t>
+              <a:t>2DGP 2</a:t>
             </a:r>
             <a:r>
               <a:rPr lang="ko-KR" altLang="en-US" dirty="0"/>
@@ -4024,10 +4022,10 @@
       </p:sp>
       <p:pic>
         <p:nvPicPr>
-          <p:cNvPr id="4" name="Picture 2" descr="i wanna be the guyì ëí ì´ë¯¸ì§ ê²ìê²°ê³¼">
+          <p:cNvPr id="5" name="Picture 6" descr="ì§ì¤ë©í¸ë¦¬ ëì¬ì ëí ì´ë¯¸ì§ ê²ìê²°ê³¼">
             <a:extLst>
               <a:ext uri="{FF2B5EF4-FFF2-40B4-BE49-F238E27FC236}">
-                <a16:creationId xmlns:a16="http://schemas.microsoft.com/office/drawing/2014/main" id="{8833D67A-8E64-4B5E-857A-48C607DEE514}"/>
+                <a16:creationId xmlns:a16="http://schemas.microsoft.com/office/drawing/2014/main" id="{9BC160D8-E9DB-4534-8707-89AC146FD7F0}"/>
               </a:ext>
             </a:extLst>
           </p:cNvPr>
@@ -4051,54 +4049,7 @@
         </p:blipFill>
         <p:spPr bwMode="auto">
           <a:xfrm>
-            <a:off x="605482" y="1791729"/>
-            <a:ext cx="5759120" cy="4326539"/>
-          </a:xfrm>
-          <a:prstGeom prst="rect">
-            <a:avLst/>
-          </a:prstGeom>
-          <a:noFill/>
-          <a:extLst>
-            <a:ext uri="{909E8E84-426E-40DD-AFC4-6F175D3DCCD1}">
-              <a14:hiddenFill xmlns:a14="http://schemas.microsoft.com/office/drawing/2010/main">
-                <a:solidFill>
-                  <a:srgbClr val="FFFFFF"/>
-                </a:solidFill>
-              </a14:hiddenFill>
-            </a:ext>
-          </a:extLst>
-        </p:spPr>
-      </p:pic>
-      <p:pic>
-        <p:nvPicPr>
-          <p:cNvPr id="5" name="Picture 6" descr="ì§ì¤ë©í¸ë¦¬ ëì¬ì ëí ì´ë¯¸ì§ ê²ìê²°ê³¼">
-            <a:extLst>
-              <a:ext uri="{FF2B5EF4-FFF2-40B4-BE49-F238E27FC236}">
-                <a16:creationId xmlns:a16="http://schemas.microsoft.com/office/drawing/2014/main" id="{9BC160D8-E9DB-4534-8707-89AC146FD7F0}"/>
-              </a:ext>
-            </a:extLst>
-          </p:cNvPr>
-          <p:cNvPicPr>
-            <a:picLocks noChangeAspect="1" noChangeArrowheads="1"/>
-          </p:cNvPicPr>
-          <p:nvPr/>
-        </p:nvPicPr>
-        <p:blipFill>
-          <a:blip r:embed="rId3">
-            <a:extLst>
-              <a:ext uri="{28A0092B-C50C-407E-A947-70E740481C1C}">
-                <a14:useLocalDpi xmlns:a14="http://schemas.microsoft.com/office/drawing/2010/main" val="0"/>
-              </a:ext>
-            </a:extLst>
-          </a:blip>
-          <a:srcRect/>
-          <a:stretch>
-            <a:fillRect/>
-          </a:stretch>
-        </p:blipFill>
-        <p:spPr bwMode="auto">
-          <a:xfrm>
-            <a:off x="-199846" y="2146343"/>
+            <a:off x="178824" y="1918457"/>
             <a:ext cx="7048500" cy="3971925"/>
           </a:xfrm>
           <a:prstGeom prst="rect">
@@ -4130,8 +4081,8 @@
         </p:nvSpPr>
         <p:spPr>
           <a:xfrm>
-            <a:off x="8401018" y="2095500"/>
-            <a:ext cx="1985352" cy="707886"/>
+            <a:off x="7477688" y="2818707"/>
+            <a:ext cx="3947427" cy="707886"/>
           </a:xfrm>
           <a:prstGeom prst="rect">
             <a:avLst/>
@@ -4146,7 +4097,7 @@
           <a:p>
             <a:r>
               <a:rPr lang="en-US" altLang="ko-KR" sz="4000" dirty="0"/>
-              <a:t>Platform</a:t>
+              <a:t>Platform Shooting</a:t>
             </a:r>
             <a:endParaRPr lang="ko-KR" altLang="en-US" sz="4000" dirty="0"/>
           </a:p>
@@ -4166,7 +4117,7 @@
         </p:nvGrpSpPr>
         <p:grpSpPr>
           <a:xfrm>
-            <a:off x="8488927" y="2956295"/>
+            <a:off x="8546634" y="3679502"/>
             <a:ext cx="1809534" cy="1384015"/>
             <a:chOff x="8488927" y="2956295"/>
             <a:chExt cx="1809534" cy="1384015"/>
@@ -4244,98 +4195,6 @@
           </p:txBody>
         </p:sp>
       </p:grpSp>
-      <p:grpSp>
-        <p:nvGrpSpPr>
-          <p:cNvPr id="12" name="그룹 11">
-            <a:extLst>
-              <a:ext uri="{FF2B5EF4-FFF2-40B4-BE49-F238E27FC236}">
-                <a16:creationId xmlns:a16="http://schemas.microsoft.com/office/drawing/2014/main" id="{16B0A955-3737-4E14-BBD4-922BA40B1118}"/>
-              </a:ext>
-            </a:extLst>
-          </p:cNvPr>
-          <p:cNvGrpSpPr/>
-          <p:nvPr/>
-        </p:nvGrpSpPr>
-        <p:grpSpPr>
-          <a:xfrm>
-            <a:off x="8222227" y="4493219"/>
-            <a:ext cx="2343783" cy="1397163"/>
-            <a:chOff x="8222227" y="4493219"/>
-            <a:chExt cx="2343783" cy="1397163"/>
-          </a:xfrm>
-        </p:grpSpPr>
-        <p:sp>
-          <p:nvSpPr>
-            <p:cNvPr id="10" name="TextBox 9">
-              <a:extLst>
-                <a:ext uri="{FF2B5EF4-FFF2-40B4-BE49-F238E27FC236}">
-                  <a16:creationId xmlns:a16="http://schemas.microsoft.com/office/drawing/2014/main" id="{3E1FAF41-F70B-4A26-B97F-1AB1F5BF5B3C}"/>
-                </a:ext>
-              </a:extLst>
-            </p:cNvPr>
-            <p:cNvSpPr txBox="1"/>
-            <p:nvPr/>
-          </p:nvSpPr>
-          <p:spPr>
-            <a:xfrm>
-              <a:off x="8222227" y="5182496"/>
-              <a:ext cx="2343783" cy="707886"/>
-            </a:xfrm>
-            <a:prstGeom prst="rect">
-              <a:avLst/>
-            </a:prstGeom>
-            <a:noFill/>
-          </p:spPr>
-          <p:txBody>
-            <a:bodyPr wrap="none" rtlCol="0">
-              <a:spAutoFit/>
-            </a:bodyPr>
-            <a:lstStyle/>
-            <a:p>
-              <a:r>
-                <a:rPr lang="en-US" altLang="ko-KR" sz="4000" dirty="0"/>
-                <a:t>Automatic</a:t>
-              </a:r>
-            </a:p>
-          </p:txBody>
-        </p:sp>
-        <p:sp>
-          <p:nvSpPr>
-            <p:cNvPr id="11" name="TextBox 10">
-              <a:extLst>
-                <a:ext uri="{FF2B5EF4-FFF2-40B4-BE49-F238E27FC236}">
-                  <a16:creationId xmlns:a16="http://schemas.microsoft.com/office/drawing/2014/main" id="{C5D477FC-2F91-4479-B0DD-296688A3E25E}"/>
-                </a:ext>
-              </a:extLst>
-            </p:cNvPr>
-            <p:cNvSpPr txBox="1"/>
-            <p:nvPr/>
-          </p:nvSpPr>
-          <p:spPr>
-            <a:xfrm>
-              <a:off x="9178731" y="4493219"/>
-              <a:ext cx="364202" cy="523220"/>
-            </a:xfrm>
-            <a:prstGeom prst="rect">
-              <a:avLst/>
-            </a:prstGeom>
-            <a:noFill/>
-          </p:spPr>
-          <p:txBody>
-            <a:bodyPr wrap="none" rtlCol="0">
-              <a:spAutoFit/>
-            </a:bodyPr>
-            <a:lstStyle/>
-            <a:p>
-              <a:r>
-                <a:rPr lang="en-US" altLang="ko-KR" sz="2800" dirty="0"/>
-                <a:t>+</a:t>
-              </a:r>
-              <a:endParaRPr lang="ko-KR" altLang="en-US" sz="2800" dirty="0"/>
-            </a:p>
-          </p:txBody>
-        </p:sp>
-      </p:grpSp>
     </p:spTree>
     <p:extLst>
       <p:ext uri="{BB962C8B-B14F-4D97-AF65-F5344CB8AC3E}">
@@ -4346,177 +4205,6 @@
   <p:clrMapOvr>
     <a:masterClrMapping/>
   </p:clrMapOvr>
-  <p:timing>
-    <p:tnLst>
-      <p:par>
-        <p:cTn id="1" dur="indefinite" restart="never" nodeType="tmRoot">
-          <p:childTnLst>
-            <p:seq concurrent="1" nextAc="seek">
-              <p:cTn id="2" dur="indefinite" nodeType="mainSeq">
-                <p:childTnLst>
-                  <p:par>
-                    <p:cTn id="3" fill="hold">
-                      <p:stCondLst>
-                        <p:cond delay="indefinite"/>
-                      </p:stCondLst>
-                      <p:childTnLst>
-                        <p:par>
-                          <p:cTn id="4" fill="hold">
-                            <p:stCondLst>
-                              <p:cond delay="0"/>
-                            </p:stCondLst>
-                            <p:childTnLst>
-                              <p:par>
-                                <p:cTn id="5" presetID="10" presetClass="entr" presetSubtype="0" fill="hold" nodeType="clickEffect">
-                                  <p:stCondLst>
-                                    <p:cond delay="0"/>
-                                  </p:stCondLst>
-                                  <p:childTnLst>
-                                    <p:set>
-                                      <p:cBhvr>
-                                        <p:cTn id="6" dur="1" fill="hold">
-                                          <p:stCondLst>
-                                            <p:cond delay="0"/>
-                                          </p:stCondLst>
-                                        </p:cTn>
-                                        <p:tgtEl>
-                                          <p:spTgt spid="5"/>
-                                        </p:tgtEl>
-                                        <p:attrNameLst>
-                                          <p:attrName>style.visibility</p:attrName>
-                                        </p:attrNameLst>
-                                      </p:cBhvr>
-                                      <p:to>
-                                        <p:strVal val="visible"/>
-                                      </p:to>
-                                    </p:set>
-                                    <p:animEffect transition="in" filter="fade">
-                                      <p:cBhvr>
-                                        <p:cTn id="7" dur="500"/>
-                                        <p:tgtEl>
-                                          <p:spTgt spid="5"/>
-                                        </p:tgtEl>
-                                      </p:cBhvr>
-                                    </p:animEffect>
-                                  </p:childTnLst>
-                                </p:cTn>
-                              </p:par>
-                              <p:par>
-                                <p:cTn id="8" presetID="10" presetClass="entr" presetSubtype="0" fill="hold" nodeType="withEffect">
-                                  <p:stCondLst>
-                                    <p:cond delay="0"/>
-                                  </p:stCondLst>
-                                  <p:childTnLst>
-                                    <p:set>
-                                      <p:cBhvr>
-                                        <p:cTn id="9" dur="1" fill="hold">
-                                          <p:stCondLst>
-                                            <p:cond delay="0"/>
-                                          </p:stCondLst>
-                                        </p:cTn>
-                                        <p:tgtEl>
-                                          <p:spTgt spid="13"/>
-                                        </p:tgtEl>
-                                        <p:attrNameLst>
-                                          <p:attrName>style.visibility</p:attrName>
-                                        </p:attrNameLst>
-                                      </p:cBhvr>
-                                      <p:to>
-                                        <p:strVal val="visible"/>
-                                      </p:to>
-                                    </p:set>
-                                    <p:animEffect transition="in" filter="fade">
-                                      <p:cBhvr>
-                                        <p:cTn id="10" dur="500"/>
-                                        <p:tgtEl>
-                                          <p:spTgt spid="13"/>
-                                        </p:tgtEl>
-                                      </p:cBhvr>
-                                    </p:animEffect>
-                                  </p:childTnLst>
-                                </p:cTn>
-                              </p:par>
-                            </p:childTnLst>
-                          </p:cTn>
-                        </p:par>
-                      </p:childTnLst>
-                    </p:cTn>
-                  </p:par>
-                  <p:par>
-                    <p:cTn id="11" fill="hold">
-                      <p:stCondLst>
-                        <p:cond delay="indefinite"/>
-                      </p:stCondLst>
-                      <p:childTnLst>
-                        <p:par>
-                          <p:cTn id="12" fill="hold">
-                            <p:stCondLst>
-                              <p:cond delay="0"/>
-                            </p:stCondLst>
-                            <p:childTnLst>
-                              <p:par>
-                                <p:cTn id="13" presetID="10" presetClass="entr" presetSubtype="0" fill="hold" nodeType="clickEffect">
-                                  <p:stCondLst>
-                                    <p:cond delay="0"/>
-                                  </p:stCondLst>
-                                  <p:childTnLst>
-                                    <p:set>
-                                      <p:cBhvr>
-                                        <p:cTn id="14" dur="1" fill="hold">
-                                          <p:stCondLst>
-                                            <p:cond delay="0"/>
-                                          </p:stCondLst>
-                                        </p:cTn>
-                                        <p:tgtEl>
-                                          <p:spTgt spid="12"/>
-                                        </p:tgtEl>
-                                        <p:attrNameLst>
-                                          <p:attrName>style.visibility</p:attrName>
-                                        </p:attrNameLst>
-                                      </p:cBhvr>
-                                      <p:to>
-                                        <p:strVal val="visible"/>
-                                      </p:to>
-                                    </p:set>
-                                    <p:animEffect transition="in" filter="fade">
-                                      <p:cBhvr>
-                                        <p:cTn id="15" dur="500"/>
-                                        <p:tgtEl>
-                                          <p:spTgt spid="12"/>
-                                        </p:tgtEl>
-                                      </p:cBhvr>
-                                    </p:animEffect>
-                                  </p:childTnLst>
-                                </p:cTn>
-                              </p:par>
-                            </p:childTnLst>
-                          </p:cTn>
-                        </p:par>
-                      </p:childTnLst>
-                    </p:cTn>
-                  </p:par>
-                </p:childTnLst>
-              </p:cTn>
-              <p:prevCondLst>
-                <p:cond evt="onPrev" delay="0">
-                  <p:tgtEl>
-                    <p:sldTgt/>
-                  </p:tgtEl>
-                </p:cond>
-              </p:prevCondLst>
-              <p:nextCondLst>
-                <p:cond evt="onNext" delay="0">
-                  <p:tgtEl>
-                    <p:sldTgt/>
-                  </p:tgtEl>
-                </p:cond>
-              </p:nextCondLst>
-            </p:seq>
-          </p:childTnLst>
-        </p:cTn>
-      </p:par>
-    </p:tnLst>
-  </p:timing>
 </p:sld>
 </file>
 
@@ -4539,769 +4227,6 @@
       </p:grpSpPr>
       <p:sp>
         <p:nvSpPr>
-          <p:cNvPr id="2" name="제목 1">
-            <a:extLst>
-              <a:ext uri="{FF2B5EF4-FFF2-40B4-BE49-F238E27FC236}">
-                <a16:creationId xmlns:a16="http://schemas.microsoft.com/office/drawing/2014/main" id="{9E66943D-49BB-46B2-BA19-93094C24667C}"/>
-              </a:ext>
-            </a:extLst>
-          </p:cNvPr>
-          <p:cNvSpPr>
-            <a:spLocks noGrp="1"/>
-          </p:cNvSpPr>
-          <p:nvPr>
-            <p:ph type="title"/>
-          </p:nvPr>
-        </p:nvSpPr>
-        <p:spPr>
-          <a:xfrm>
-            <a:off x="1097280" y="-128835"/>
-            <a:ext cx="10058400" cy="1595833"/>
-          </a:xfrm>
-        </p:spPr>
-        <p:txBody>
-          <a:bodyPr/>
-          <a:lstStyle/>
-          <a:p>
-            <a:r>
-              <a:rPr lang="en-US" altLang="ko-KR" dirty="0"/>
-              <a:t>Game Flow</a:t>
-            </a:r>
-            <a:endParaRPr lang="ko-KR" altLang="en-US" dirty="0"/>
-          </a:p>
-        </p:txBody>
-      </p:sp>
-      <p:pic>
-        <p:nvPicPr>
-          <p:cNvPr id="2050" name="Picture 2" descr="I wanna be the boshyì ëí ì´ë¯¸ì§ ê²ìê²°ê³¼">
-            <a:extLst>
-              <a:ext uri="{FF2B5EF4-FFF2-40B4-BE49-F238E27FC236}">
-                <a16:creationId xmlns:a16="http://schemas.microsoft.com/office/drawing/2014/main" id="{B2C47256-E94E-415B-9452-E4C98481510B}"/>
-              </a:ext>
-            </a:extLst>
-          </p:cNvPr>
-          <p:cNvPicPr>
-            <a:picLocks noChangeAspect="1" noChangeArrowheads="1"/>
-          </p:cNvPicPr>
-          <p:nvPr/>
-        </p:nvPicPr>
-        <p:blipFill>
-          <a:blip r:embed="rId2">
-            <a:extLst>
-              <a:ext uri="{28A0092B-C50C-407E-A947-70E740481C1C}">
-                <a14:useLocalDpi xmlns:a14="http://schemas.microsoft.com/office/drawing/2010/main" val="0"/>
-              </a:ext>
-            </a:extLst>
-          </a:blip>
-          <a:srcRect/>
-          <a:stretch>
-            <a:fillRect/>
-          </a:stretch>
-        </p:blipFill>
-        <p:spPr bwMode="auto">
-          <a:xfrm>
-            <a:off x="127000" y="1870471"/>
-            <a:ext cx="6096000" cy="3117057"/>
-          </a:xfrm>
-          <a:prstGeom prst="rect">
-            <a:avLst/>
-          </a:prstGeom>
-          <a:noFill/>
-          <a:extLst>
-            <a:ext uri="{909E8E84-426E-40DD-AFC4-6F175D3DCCD1}">
-              <a14:hiddenFill xmlns:a14="http://schemas.microsoft.com/office/drawing/2010/main">
-                <a:solidFill>
-                  <a:srgbClr val="FFFFFF"/>
-                </a:solidFill>
-              </a14:hiddenFill>
-            </a:ext>
-          </a:extLst>
-        </p:spPr>
-      </p:pic>
-      <p:pic>
-        <p:nvPicPr>
-          <p:cNvPr id="2054" name="Picture 6" descr="íì¼:external/screenshots.en.sftcdn.net/i-wanna-be-the-guy-18.png">
-            <a:extLst>
-              <a:ext uri="{FF2B5EF4-FFF2-40B4-BE49-F238E27FC236}">
-                <a16:creationId xmlns:a16="http://schemas.microsoft.com/office/drawing/2014/main" id="{640FF0FC-9C97-4C2C-91FC-59B5A891F479}"/>
-              </a:ext>
-            </a:extLst>
-          </p:cNvPr>
-          <p:cNvPicPr>
-            <a:picLocks noChangeAspect="1" noChangeArrowheads="1"/>
-          </p:cNvPicPr>
-          <p:nvPr/>
-        </p:nvPicPr>
-        <p:blipFill>
-          <a:blip r:embed="rId3">
-            <a:extLst>
-              <a:ext uri="{28A0092B-C50C-407E-A947-70E740481C1C}">
-                <a14:useLocalDpi xmlns:a14="http://schemas.microsoft.com/office/drawing/2010/main" val="0"/>
-              </a:ext>
-            </a:extLst>
-          </a:blip>
-          <a:srcRect/>
-          <a:stretch>
-            <a:fillRect/>
-          </a:stretch>
-        </p:blipFill>
-        <p:spPr bwMode="auto">
-          <a:xfrm>
-            <a:off x="7010657" y="1870471"/>
-            <a:ext cx="4145023" cy="3117057"/>
-          </a:xfrm>
-          <a:prstGeom prst="rect">
-            <a:avLst/>
-          </a:prstGeom>
-          <a:noFill/>
-          <a:extLst>
-            <a:ext uri="{909E8E84-426E-40DD-AFC4-6F175D3DCCD1}">
-              <a14:hiddenFill xmlns:a14="http://schemas.microsoft.com/office/drawing/2010/main">
-                <a:solidFill>
-                  <a:srgbClr val="FFFFFF"/>
-                </a:solidFill>
-              </a14:hiddenFill>
-            </a:ext>
-          </a:extLst>
-        </p:spPr>
-      </p:pic>
-      <p:sp>
-        <p:nvSpPr>
-          <p:cNvPr id="6" name="TextBox 5">
-            <a:extLst>
-              <a:ext uri="{FF2B5EF4-FFF2-40B4-BE49-F238E27FC236}">
-                <a16:creationId xmlns:a16="http://schemas.microsoft.com/office/drawing/2014/main" id="{A6AF166C-60C3-43F6-8217-B33477F8E55E}"/>
-              </a:ext>
-            </a:extLst>
-          </p:cNvPr>
-          <p:cNvSpPr txBox="1"/>
-          <p:nvPr/>
-        </p:nvSpPr>
-        <p:spPr>
-          <a:xfrm>
-            <a:off x="1847064" y="5390999"/>
-            <a:ext cx="5163593" cy="461665"/>
-          </a:xfrm>
-          <a:prstGeom prst="rect">
-            <a:avLst/>
-          </a:prstGeom>
-          <a:noFill/>
-        </p:spPr>
-        <p:txBody>
-          <a:bodyPr wrap="none" rtlCol="0">
-            <a:spAutoFit/>
-          </a:bodyPr>
-          <a:lstStyle/>
-          <a:p>
-            <a:r>
-              <a:rPr lang="ko-KR" altLang="en-US" sz="2400" dirty="0"/>
-              <a:t>원하는 음악을 고르면                          →</a:t>
-            </a:r>
-          </a:p>
-        </p:txBody>
-      </p:sp>
-      <p:sp>
-        <p:nvSpPr>
-          <p:cNvPr id="10" name="TextBox 9">
-            <a:extLst>
-              <a:ext uri="{FF2B5EF4-FFF2-40B4-BE49-F238E27FC236}">
-                <a16:creationId xmlns:a16="http://schemas.microsoft.com/office/drawing/2014/main" id="{F42AE22C-1A1A-4808-8ED3-994F95606060}"/>
-              </a:ext>
-            </a:extLst>
-          </p:cNvPr>
-          <p:cNvSpPr txBox="1"/>
-          <p:nvPr/>
-        </p:nvSpPr>
-        <p:spPr>
-          <a:xfrm>
-            <a:off x="7536911" y="5390999"/>
-            <a:ext cx="3092513" cy="461665"/>
-          </a:xfrm>
-          <a:prstGeom prst="rect">
-            <a:avLst/>
-          </a:prstGeom>
-          <a:noFill/>
-        </p:spPr>
-        <p:txBody>
-          <a:bodyPr wrap="none" rtlCol="0">
-            <a:spAutoFit/>
-          </a:bodyPr>
-          <a:lstStyle/>
-          <a:p>
-            <a:r>
-              <a:rPr lang="ko-KR" altLang="en-US" sz="2400" dirty="0"/>
-              <a:t>해당 </a:t>
-            </a:r>
-            <a:r>
-              <a:rPr lang="ko-KR" altLang="en-US" sz="2400"/>
-              <a:t>스테이지 플레이</a:t>
-            </a:r>
-            <a:endParaRPr lang="ko-KR" altLang="en-US" sz="2400" dirty="0"/>
-          </a:p>
-        </p:txBody>
-      </p:sp>
-    </p:spTree>
-    <p:extLst>
-      <p:ext uri="{BB962C8B-B14F-4D97-AF65-F5344CB8AC3E}">
-        <p14:creationId xmlns:p14="http://schemas.microsoft.com/office/powerpoint/2010/main" val="628602261"/>
-      </p:ext>
-    </p:extLst>
-  </p:cSld>
-  <p:clrMapOvr>
-    <a:masterClrMapping/>
-  </p:clrMapOvr>
-</p:sld>
-</file>
-
-<file path=ppt/slides/slide4.xml><?xml version="1.0" encoding="utf-8"?>
-<p:sld xmlns:a="http://schemas.openxmlformats.org/drawingml/2006/main" xmlns:r="http://schemas.openxmlformats.org/officeDocument/2006/relationships" xmlns:p="http://schemas.openxmlformats.org/presentationml/2006/main">
-  <p:cSld>
-    <p:spTree>
-      <p:nvGrpSpPr>
-        <p:cNvPr id="1" name=""/>
-        <p:cNvGrpSpPr/>
-        <p:nvPr/>
-      </p:nvGrpSpPr>
-      <p:grpSpPr>
-        <a:xfrm>
-          <a:off x="0" y="0"/>
-          <a:ext cx="0" cy="0"/>
-          <a:chOff x="0" y="0"/>
-          <a:chExt cx="0" cy="0"/>
-        </a:xfrm>
-      </p:grpSpPr>
-      <p:sp>
-        <p:nvSpPr>
-          <p:cNvPr id="2" name="제목 1">
-            <a:extLst>
-              <a:ext uri="{FF2B5EF4-FFF2-40B4-BE49-F238E27FC236}">
-                <a16:creationId xmlns:a16="http://schemas.microsoft.com/office/drawing/2014/main" id="{9E66943D-49BB-46B2-BA19-93094C24667C}"/>
-              </a:ext>
-            </a:extLst>
-          </p:cNvPr>
-          <p:cNvSpPr>
-            <a:spLocks noGrp="1"/>
-          </p:cNvSpPr>
-          <p:nvPr>
-            <p:ph type="title"/>
-          </p:nvPr>
-        </p:nvSpPr>
-        <p:spPr>
-          <a:xfrm>
-            <a:off x="1097280" y="-128835"/>
-            <a:ext cx="10058400" cy="1595833"/>
-          </a:xfrm>
-        </p:spPr>
-        <p:txBody>
-          <a:bodyPr/>
-          <a:lstStyle/>
-          <a:p>
-            <a:r>
-              <a:rPr lang="en-US" altLang="ko-KR" dirty="0"/>
-              <a:t>Game Flow</a:t>
-            </a:r>
-            <a:endParaRPr lang="ko-KR" altLang="en-US" dirty="0"/>
-          </a:p>
-        </p:txBody>
-      </p:sp>
-      <p:pic>
-        <p:nvPicPr>
-          <p:cNvPr id="2054" name="Picture 6" descr="íì¼:external/screenshots.en.sftcdn.net/i-wanna-be-the-guy-18.png">
-            <a:extLst>
-              <a:ext uri="{FF2B5EF4-FFF2-40B4-BE49-F238E27FC236}">
-                <a16:creationId xmlns:a16="http://schemas.microsoft.com/office/drawing/2014/main" id="{640FF0FC-9C97-4C2C-91FC-59B5A891F479}"/>
-              </a:ext>
-            </a:extLst>
-          </p:cNvPr>
-          <p:cNvPicPr>
-            <a:picLocks noChangeAspect="1" noChangeArrowheads="1"/>
-          </p:cNvPicPr>
-          <p:nvPr/>
-        </p:nvPicPr>
-        <p:blipFill>
-          <a:blip r:embed="rId2">
-            <a:extLst>
-              <a:ext uri="{28A0092B-C50C-407E-A947-70E740481C1C}">
-                <a14:useLocalDpi xmlns:a14="http://schemas.microsoft.com/office/drawing/2010/main" val="0"/>
-              </a:ext>
-            </a:extLst>
-          </a:blip>
-          <a:srcRect/>
-          <a:stretch>
-            <a:fillRect/>
-          </a:stretch>
-        </p:blipFill>
-        <p:spPr bwMode="auto">
-          <a:xfrm>
-            <a:off x="1097280" y="1870470"/>
-            <a:ext cx="4145023" cy="3117057"/>
-          </a:xfrm>
-          <a:prstGeom prst="rect">
-            <a:avLst/>
-          </a:prstGeom>
-          <a:noFill/>
-          <a:extLst>
-            <a:ext uri="{909E8E84-426E-40DD-AFC4-6F175D3DCCD1}">
-              <a14:hiddenFill xmlns:a14="http://schemas.microsoft.com/office/drawing/2010/main">
-                <a:solidFill>
-                  <a:srgbClr val="FFFFFF"/>
-                </a:solidFill>
-              </a14:hiddenFill>
-            </a:ext>
-          </a:extLst>
-        </p:spPr>
-      </p:pic>
-      <p:sp>
-        <p:nvSpPr>
-          <p:cNvPr id="10" name="TextBox 9">
-            <a:extLst>
-              <a:ext uri="{FF2B5EF4-FFF2-40B4-BE49-F238E27FC236}">
-                <a16:creationId xmlns:a16="http://schemas.microsoft.com/office/drawing/2014/main" id="{F42AE22C-1A1A-4808-8ED3-994F95606060}"/>
-              </a:ext>
-            </a:extLst>
-          </p:cNvPr>
-          <p:cNvSpPr txBox="1"/>
-          <p:nvPr/>
-        </p:nvSpPr>
-        <p:spPr>
-          <a:xfrm>
-            <a:off x="499310" y="5397198"/>
-            <a:ext cx="5384807" cy="461665"/>
-          </a:xfrm>
-          <a:prstGeom prst="rect">
-            <a:avLst/>
-          </a:prstGeom>
-          <a:noFill/>
-        </p:spPr>
-        <p:txBody>
-          <a:bodyPr wrap="none" rtlCol="0">
-            <a:spAutoFit/>
-          </a:bodyPr>
-          <a:lstStyle/>
-          <a:p>
-            <a:r>
-              <a:rPr lang="ko-KR" altLang="en-US" sz="2400" dirty="0"/>
-              <a:t>음악이 진행되면서 </a:t>
-            </a:r>
-            <a:r>
-              <a:rPr lang="ko-KR" altLang="en-US" sz="2400" dirty="0" err="1"/>
-              <a:t>맵이</a:t>
-            </a:r>
-            <a:r>
-              <a:rPr lang="ko-KR" altLang="en-US" sz="2400" dirty="0"/>
-              <a:t> 자동으로 진행</a:t>
-            </a:r>
-          </a:p>
-        </p:txBody>
-      </p:sp>
-      <p:pic>
-        <p:nvPicPr>
-          <p:cNvPr id="4098" name="Picture 2" descr="I wanna be the guyì ëí ì´ë¯¸ì§ ê²ìê²°ê³¼">
-            <a:extLst>
-              <a:ext uri="{FF2B5EF4-FFF2-40B4-BE49-F238E27FC236}">
-                <a16:creationId xmlns:a16="http://schemas.microsoft.com/office/drawing/2014/main" id="{396B5545-1417-4A1D-871E-D865D68138F5}"/>
-              </a:ext>
-            </a:extLst>
-          </p:cNvPr>
-          <p:cNvPicPr>
-            <a:picLocks noChangeAspect="1" noChangeArrowheads="1"/>
-          </p:cNvPicPr>
-          <p:nvPr/>
-        </p:nvPicPr>
-        <p:blipFill>
-          <a:blip r:embed="rId3">
-            <a:extLst>
-              <a:ext uri="{28A0092B-C50C-407E-A947-70E740481C1C}">
-                <a14:useLocalDpi xmlns:a14="http://schemas.microsoft.com/office/drawing/2010/main" val="0"/>
-              </a:ext>
-            </a:extLst>
-          </a:blip>
-          <a:srcRect/>
-          <a:stretch>
-            <a:fillRect/>
-          </a:stretch>
-        </p:blipFill>
-        <p:spPr bwMode="auto">
-          <a:xfrm>
-            <a:off x="7081520" y="1870470"/>
-            <a:ext cx="4013200" cy="3117057"/>
-          </a:xfrm>
-          <a:prstGeom prst="rect">
-            <a:avLst/>
-          </a:prstGeom>
-          <a:noFill/>
-          <a:extLst>
-            <a:ext uri="{909E8E84-426E-40DD-AFC4-6F175D3DCCD1}">
-              <a14:hiddenFill xmlns:a14="http://schemas.microsoft.com/office/drawing/2010/main">
-                <a:solidFill>
-                  <a:srgbClr val="FFFFFF"/>
-                </a:solidFill>
-              </a14:hiddenFill>
-            </a:ext>
-          </a:extLst>
-        </p:spPr>
-      </p:pic>
-      <p:sp>
-        <p:nvSpPr>
-          <p:cNvPr id="3" name="TextBox 2">
-            <a:extLst>
-              <a:ext uri="{FF2B5EF4-FFF2-40B4-BE49-F238E27FC236}">
-                <a16:creationId xmlns:a16="http://schemas.microsoft.com/office/drawing/2014/main" id="{D3AD1DD6-75B6-4C5B-A03B-CF0C42790E93}"/>
-              </a:ext>
-            </a:extLst>
-          </p:cNvPr>
-          <p:cNvSpPr txBox="1"/>
-          <p:nvPr/>
-        </p:nvSpPr>
-        <p:spPr>
-          <a:xfrm>
-            <a:off x="5884117" y="3105833"/>
-            <a:ext cx="603050" cy="646331"/>
-          </a:xfrm>
-          <a:prstGeom prst="rect">
-            <a:avLst/>
-          </a:prstGeom>
-          <a:noFill/>
-        </p:spPr>
-        <p:txBody>
-          <a:bodyPr wrap="none" rtlCol="0">
-            <a:spAutoFit/>
-          </a:bodyPr>
-          <a:lstStyle/>
-          <a:p>
-            <a:r>
-              <a:rPr lang="ko-KR" altLang="en-US" sz="3600" dirty="0"/>
-              <a:t>→</a:t>
-            </a:r>
-          </a:p>
-        </p:txBody>
-      </p:sp>
-      <p:sp>
-        <p:nvSpPr>
-          <p:cNvPr id="9" name="TextBox 8">
-            <a:extLst>
-              <a:ext uri="{FF2B5EF4-FFF2-40B4-BE49-F238E27FC236}">
-                <a16:creationId xmlns:a16="http://schemas.microsoft.com/office/drawing/2014/main" id="{777FCE6C-3C43-47C1-B122-CFD3C393BC7B}"/>
-              </a:ext>
-            </a:extLst>
-          </p:cNvPr>
-          <p:cNvSpPr txBox="1"/>
-          <p:nvPr/>
-        </p:nvSpPr>
-        <p:spPr>
-          <a:xfrm>
-            <a:off x="6388481" y="5390999"/>
-            <a:ext cx="5109091" cy="461665"/>
-          </a:xfrm>
-          <a:prstGeom prst="rect">
-            <a:avLst/>
-          </a:prstGeom>
-          <a:noFill/>
-        </p:spPr>
-        <p:txBody>
-          <a:bodyPr wrap="none" rtlCol="0">
-            <a:spAutoFit/>
-          </a:bodyPr>
-          <a:lstStyle/>
-          <a:p>
-            <a:r>
-              <a:rPr lang="ko-KR" altLang="en-US" sz="2400" dirty="0"/>
-              <a:t>음악의 하이라이트에선 </a:t>
-            </a:r>
-            <a:r>
-              <a:rPr lang="ko-KR" altLang="en-US" sz="2400" dirty="0" err="1"/>
-              <a:t>보스전</a:t>
-            </a:r>
-            <a:r>
-              <a:rPr lang="ko-KR" altLang="en-US" sz="2400" dirty="0"/>
-              <a:t> 등장</a:t>
-            </a:r>
-            <a:r>
-              <a:rPr lang="en-US" altLang="ko-KR" sz="2400" dirty="0"/>
-              <a:t>!</a:t>
-            </a:r>
-            <a:endParaRPr lang="ko-KR" altLang="en-US" sz="2400" dirty="0"/>
-          </a:p>
-        </p:txBody>
-      </p:sp>
-    </p:spTree>
-    <p:extLst>
-      <p:ext uri="{BB962C8B-B14F-4D97-AF65-F5344CB8AC3E}">
-        <p14:creationId xmlns:p14="http://schemas.microsoft.com/office/powerpoint/2010/main" val="2169786794"/>
-      </p:ext>
-    </p:extLst>
-  </p:cSld>
-  <p:clrMapOvr>
-    <a:masterClrMapping/>
-  </p:clrMapOvr>
-</p:sld>
-</file>
-
-<file path=ppt/slides/slide5.xml><?xml version="1.0" encoding="utf-8"?>
-<p:sld xmlns:a="http://schemas.openxmlformats.org/drawingml/2006/main" xmlns:r="http://schemas.openxmlformats.org/officeDocument/2006/relationships" xmlns:p="http://schemas.openxmlformats.org/presentationml/2006/main">
-  <p:cSld>
-    <p:spTree>
-      <p:nvGrpSpPr>
-        <p:cNvPr id="1" name=""/>
-        <p:cNvGrpSpPr/>
-        <p:nvPr/>
-      </p:nvGrpSpPr>
-      <p:grpSpPr>
-        <a:xfrm>
-          <a:off x="0" y="0"/>
-          <a:ext cx="0" cy="0"/>
-          <a:chOff x="0" y="0"/>
-          <a:chExt cx="0" cy="0"/>
-        </a:xfrm>
-      </p:grpSpPr>
-      <p:sp>
-        <p:nvSpPr>
-          <p:cNvPr id="3" name="내용 개체 틀 2">
-            <a:extLst>
-              <a:ext uri="{FF2B5EF4-FFF2-40B4-BE49-F238E27FC236}">
-                <a16:creationId xmlns:a16="http://schemas.microsoft.com/office/drawing/2014/main" id="{0DEA7688-C25C-427A-A19F-FBA922DCA2E3}"/>
-              </a:ext>
-            </a:extLst>
-          </p:cNvPr>
-          <p:cNvSpPr>
-            <a:spLocks noGrp="1"/>
-          </p:cNvSpPr>
-          <p:nvPr>
-            <p:ph idx="1"/>
-          </p:nvPr>
-        </p:nvSpPr>
-        <p:spPr>
-          <a:xfrm>
-            <a:off x="1097280" y="1845734"/>
-            <a:ext cx="10058400" cy="4656666"/>
-          </a:xfrm>
-        </p:spPr>
-        <p:txBody>
-          <a:bodyPr>
-            <a:normAutofit/>
-          </a:bodyPr>
-          <a:lstStyle/>
-          <a:p>
-            <a:pPr marL="457200" indent="-457200">
-              <a:buAutoNum type="arabicPeriod"/>
-            </a:pPr>
-            <a:r>
-              <a:rPr lang="ko-KR" altLang="en-US" sz="2400" dirty="0"/>
-              <a:t>음악의 박자에 맞춰서 </a:t>
-            </a:r>
-            <a:r>
-              <a:rPr lang="ko-KR" altLang="en-US" sz="2400" dirty="0">
-                <a:solidFill>
-                  <a:srgbClr val="FF0000"/>
-                </a:solidFill>
-              </a:rPr>
-              <a:t>자동으로</a:t>
-            </a:r>
-            <a:r>
-              <a:rPr lang="ko-KR" altLang="en-US" sz="2400" dirty="0"/>
-              <a:t> 점프</a:t>
-            </a:r>
-            <a:endParaRPr lang="en-US" altLang="ko-KR" sz="2400" dirty="0"/>
-          </a:p>
-          <a:p>
-            <a:pPr marL="457200" indent="-457200">
-              <a:buAutoNum type="arabicPeriod"/>
-            </a:pPr>
-            <a:endParaRPr lang="en-US" altLang="ko-KR" sz="2400" dirty="0"/>
-          </a:p>
-          <a:p>
-            <a:pPr marL="457200" indent="-457200">
-              <a:buAutoNum type="arabicPeriod"/>
-            </a:pPr>
-            <a:r>
-              <a:rPr lang="ko-KR" altLang="en-US" sz="2400" dirty="0"/>
-              <a:t>점프하는 타이밍에 맞춰 방향키를 누르면 해당 방향으로 </a:t>
-            </a:r>
-            <a:r>
-              <a:rPr lang="ko-KR" altLang="en-US" sz="2400" dirty="0">
-                <a:solidFill>
-                  <a:srgbClr val="FF0000"/>
-                </a:solidFill>
-              </a:rPr>
-              <a:t>한 칸</a:t>
-            </a:r>
-            <a:r>
-              <a:rPr lang="ko-KR" altLang="en-US" sz="2400" dirty="0"/>
-              <a:t> 이동</a:t>
-            </a:r>
-            <a:endParaRPr lang="en-US" altLang="ko-KR" sz="2400" dirty="0"/>
-          </a:p>
-          <a:p>
-            <a:pPr marL="457200" indent="-457200">
-              <a:buAutoNum type="arabicPeriod"/>
-            </a:pPr>
-            <a:endParaRPr lang="en-US" altLang="ko-KR" sz="2400" dirty="0"/>
-          </a:p>
-          <a:p>
-            <a:pPr marL="457200" indent="-457200">
-              <a:buAutoNum type="arabicPeriod"/>
-            </a:pPr>
-            <a:r>
-              <a:rPr lang="ko-KR" altLang="en-US" sz="2400" dirty="0"/>
-              <a:t>스페이스 바를 누른 채로 방향키를 누르면 해당 방향으로 </a:t>
-            </a:r>
-            <a:r>
-              <a:rPr lang="ko-KR" altLang="en-US" sz="2400" dirty="0">
-                <a:solidFill>
-                  <a:srgbClr val="FF0000"/>
-                </a:solidFill>
-              </a:rPr>
-              <a:t>세 칸</a:t>
-            </a:r>
-            <a:r>
-              <a:rPr lang="ko-KR" altLang="en-US" sz="2400" dirty="0"/>
-              <a:t> 이동</a:t>
-            </a:r>
-            <a:endParaRPr lang="en-US" altLang="ko-KR" sz="2400" dirty="0"/>
-          </a:p>
-          <a:p>
-            <a:pPr marL="457200" indent="-457200">
-              <a:buAutoNum type="arabicPeriod"/>
-            </a:pPr>
-            <a:endParaRPr lang="en-US" altLang="ko-KR" sz="2400" dirty="0"/>
-          </a:p>
-          <a:p>
-            <a:pPr marL="457200" indent="-457200">
-              <a:buAutoNum type="arabicPeriod"/>
-            </a:pPr>
-            <a:r>
-              <a:rPr lang="ko-KR" altLang="en-US" sz="2400" dirty="0"/>
-              <a:t>가시나 총알 등 장애물에 닿으면 </a:t>
-            </a:r>
-            <a:r>
-              <a:rPr lang="ko-KR" altLang="en-US" sz="2400" dirty="0">
-                <a:solidFill>
-                  <a:srgbClr val="FF0000"/>
-                </a:solidFill>
-              </a:rPr>
-              <a:t>게임 오버</a:t>
-            </a:r>
-            <a:endParaRPr lang="en-US" altLang="ko-KR" sz="2400" dirty="0">
-              <a:solidFill>
-                <a:srgbClr val="FF0000"/>
-              </a:solidFill>
-            </a:endParaRPr>
-          </a:p>
-          <a:p>
-            <a:pPr marL="457200" indent="-457200">
-              <a:buAutoNum type="arabicPeriod"/>
-            </a:pPr>
-            <a:endParaRPr lang="en-US" altLang="ko-KR" sz="2400" dirty="0">
-              <a:solidFill>
-                <a:srgbClr val="FF0000"/>
-              </a:solidFill>
-            </a:endParaRPr>
-          </a:p>
-          <a:p>
-            <a:pPr marL="457200" indent="-457200">
-              <a:buAutoNum type="arabicPeriod"/>
-            </a:pPr>
-            <a:r>
-              <a:rPr lang="ko-KR" altLang="en-US" sz="2400" dirty="0">
-                <a:solidFill>
-                  <a:schemeClr val="tx1"/>
-                </a:solidFill>
-              </a:rPr>
-              <a:t>음악이 끝날 때까지 살아 있으면 </a:t>
-            </a:r>
-            <a:r>
-              <a:rPr lang="ko-KR" altLang="en-US" sz="2400" dirty="0">
-                <a:solidFill>
-                  <a:srgbClr val="FF0000"/>
-                </a:solidFill>
-              </a:rPr>
-              <a:t>클리어</a:t>
-            </a:r>
-            <a:r>
-              <a:rPr lang="en-US" altLang="ko-KR" sz="2400" dirty="0">
-                <a:solidFill>
-                  <a:srgbClr val="FF0000"/>
-                </a:solidFill>
-              </a:rPr>
-              <a:t>!</a:t>
-            </a:r>
-          </a:p>
-        </p:txBody>
-      </p:sp>
-      <p:sp>
-        <p:nvSpPr>
-          <p:cNvPr id="4" name="제목 1">
-            <a:extLst>
-              <a:ext uri="{FF2B5EF4-FFF2-40B4-BE49-F238E27FC236}">
-                <a16:creationId xmlns:a16="http://schemas.microsoft.com/office/drawing/2014/main" id="{FEE7F164-64EE-4F21-B8B3-A0C55D22D6B8}"/>
-              </a:ext>
-            </a:extLst>
-          </p:cNvPr>
-          <p:cNvSpPr>
-            <a:spLocks noGrp="1"/>
-          </p:cNvSpPr>
-          <p:nvPr>
-            <p:ph type="title"/>
-          </p:nvPr>
-        </p:nvSpPr>
-        <p:spPr>
-          <a:xfrm>
-            <a:off x="1097280" y="-128835"/>
-            <a:ext cx="10058400" cy="1595833"/>
-          </a:xfrm>
-        </p:spPr>
-        <p:txBody>
-          <a:bodyPr/>
-          <a:lstStyle/>
-          <a:p>
-            <a:r>
-              <a:rPr lang="en-US" altLang="ko-KR" dirty="0"/>
-              <a:t>Game Flow (Basic</a:t>
-            </a:r>
-            <a:r>
-              <a:rPr lang="ko-KR" altLang="en-US" dirty="0"/>
-              <a:t> </a:t>
-            </a:r>
-            <a:r>
-              <a:rPr lang="en-US" altLang="ko-KR" dirty="0"/>
-              <a:t>Rule)</a:t>
-            </a:r>
-            <a:endParaRPr lang="ko-KR" altLang="en-US" dirty="0"/>
-          </a:p>
-        </p:txBody>
-      </p:sp>
-    </p:spTree>
-    <p:extLst>
-      <p:ext uri="{BB962C8B-B14F-4D97-AF65-F5344CB8AC3E}">
-        <p14:creationId xmlns:p14="http://schemas.microsoft.com/office/powerpoint/2010/main" val="2986097873"/>
-      </p:ext>
-    </p:extLst>
-  </p:cSld>
-  <p:clrMapOvr>
-    <a:masterClrMapping/>
-  </p:clrMapOvr>
-</p:sld>
-</file>
-
-<file path=ppt/slides/slide6.xml><?xml version="1.0" encoding="utf-8"?>
-<p:sld xmlns:a="http://schemas.openxmlformats.org/drawingml/2006/main" xmlns:r="http://schemas.openxmlformats.org/officeDocument/2006/relationships" xmlns:p="http://schemas.openxmlformats.org/presentationml/2006/main">
-  <p:cSld>
-    <p:spTree>
-      <p:nvGrpSpPr>
-        <p:cNvPr id="1" name=""/>
-        <p:cNvGrpSpPr/>
-        <p:nvPr/>
-      </p:nvGrpSpPr>
-      <p:grpSpPr>
-        <a:xfrm>
-          <a:off x="0" y="0"/>
-          <a:ext cx="0" cy="0"/>
-          <a:chOff x="0" y="0"/>
-          <a:chExt cx="0" cy="0"/>
-        </a:xfrm>
-      </p:grpSpPr>
-      <p:sp>
-        <p:nvSpPr>
           <p:cNvPr id="5" name="제목 1">
             <a:extLst>
               <a:ext uri="{FF2B5EF4-FFF2-40B4-BE49-F238E27FC236}">
@@ -5349,7 +4274,7 @@
           <p:nvPr>
             <p:extLst>
               <p:ext uri="{D42A27DB-BD31-4B8C-83A1-F6EECF244321}">
-                <p14:modId xmlns:p14="http://schemas.microsoft.com/office/powerpoint/2010/main" val="1428045400"/>
+                <p14:modId xmlns:p14="http://schemas.microsoft.com/office/powerpoint/2010/main" val="3954296698"/>
               </p:ext>
             </p:extLst>
           </p:nvPr>
@@ -5491,6 +4416,14 @@
                         <a:rPr lang="ko-KR" altLang="en-US" dirty="0"/>
                         <a:t>점프 시 회전 애니메이션</a:t>
                       </a:r>
+                      <a:r>
+                        <a:rPr lang="en-US" altLang="ko-KR" dirty="0"/>
+                        <a:t>, </a:t>
+                      </a:r>
+                      <a:r>
+                        <a:rPr lang="ko-KR" altLang="en-US" dirty="0"/>
+                        <a:t>파워 점프</a:t>
+                      </a:r>
                     </a:p>
                   </a:txBody>
                   <a:tcPr anchor="ctr"/>
@@ -5523,8 +4456,12 @@
                     <a:p>
                       <a:pPr algn="ctr" latinLnBrk="1"/>
                       <a:r>
+                        <a:rPr lang="en-US" altLang="ko-KR" dirty="0"/>
+                        <a:t>3 </a:t>
+                      </a:r>
+                      <a:r>
                         <a:rPr lang="ko-KR" altLang="en-US" dirty="0"/>
-                        <a:t>플랫폼</a:t>
+                        <a:t>종류 플랫폼</a:t>
                       </a:r>
                       <a:r>
                         <a:rPr lang="en-US" altLang="ko-KR" dirty="0"/>
@@ -5532,7 +4469,7 @@
                       </a:r>
                       <a:r>
                         <a:rPr lang="ko-KR" altLang="en-US" dirty="0"/>
-                        <a:t>장애물</a:t>
+                        <a:t>총알</a:t>
                       </a:r>
                       <a:r>
                         <a:rPr lang="en-US" altLang="ko-KR" dirty="0"/>
@@ -5540,7 +4477,7 @@
                       </a:r>
                       <a:r>
                         <a:rPr lang="ko-KR" altLang="en-US" dirty="0"/>
-                        <a:t>화면이동</a:t>
+                        <a:t>화면전환</a:t>
                       </a:r>
                       <a:endParaRPr lang="en-US" altLang="ko-KR" dirty="0"/>
                     </a:p>
@@ -5789,7 +4726,7 @@
                       </a:r>
                       <a:r>
                         <a:rPr lang="en-US" altLang="ko-KR" dirty="0"/>
-                        <a:t>3</a:t>
+                        <a:t>2</a:t>
                       </a:r>
                       <a:r>
                         <a:rPr lang="ko-KR" altLang="en-US" dirty="0"/>
@@ -5935,7 +4872,7 @@
 </p:sld>
 </file>
 
-<file path=ppt/slides/slide7.xml><?xml version="1.0" encoding="utf-8"?>
+<file path=ppt/slides/slide4.xml><?xml version="1.0" encoding="utf-8"?>
 <p:sld xmlns:a="http://schemas.openxmlformats.org/drawingml/2006/main" xmlns:r="http://schemas.openxmlformats.org/officeDocument/2006/relationships" xmlns:p="http://schemas.openxmlformats.org/presentationml/2006/main">
   <p:cSld>
     <p:spTree>
@@ -6001,7 +4938,7 @@
           <p:nvPr>
             <p:extLst>
               <p:ext uri="{D42A27DB-BD31-4B8C-83A1-F6EECF244321}">
-                <p14:modId xmlns:p14="http://schemas.microsoft.com/office/powerpoint/2010/main" val="202640270"/>
+                <p14:modId xmlns:p14="http://schemas.microsoft.com/office/powerpoint/2010/main" val="1782574270"/>
               </p:ext>
             </p:extLst>
           </p:nvPr>
@@ -6062,7 +4999,7 @@
                       <a:pPr algn="ctr" latinLnBrk="1"/>
                       <a:r>
                         <a:rPr lang="ko-KR" altLang="en-US" sz="2000" dirty="0"/>
-                        <a:t>개요</a:t>
+                        <a:t>계획</a:t>
                       </a:r>
                     </a:p>
                   </a:txBody>
@@ -6076,7 +5013,7 @@
                       <a:pPr algn="ctr" latinLnBrk="1"/>
                       <a:r>
                         <a:rPr lang="ko-KR" altLang="en-US" sz="2000" dirty="0"/>
-                        <a:t>상세</a:t>
+                        <a:t>비고</a:t>
                       </a:r>
                     </a:p>
                   </a:txBody>
@@ -6130,19 +5067,11 @@
                       <a:pPr algn="ctr" latinLnBrk="1"/>
                       <a:r>
                         <a:rPr lang="ko-KR" altLang="en-US" sz="1800" dirty="0"/>
-                        <a:t>적어도 </a:t>
+                        <a:t>리소스 수집 완료</a:t>
                       </a:r>
                       <a:r>
                         <a:rPr lang="en-US" altLang="ko-KR" sz="1800" dirty="0"/>
-                        <a:t>4</a:t>
-                      </a:r>
-                      <a:r>
-                        <a:rPr lang="ko-KR" altLang="en-US" sz="1800" dirty="0"/>
-                        <a:t>주차까지의 게임 제작에 필요한 이미지를 수집</a:t>
-                      </a:r>
-                      <a:r>
-                        <a:rPr lang="en-US" altLang="ko-KR" sz="1800" dirty="0"/>
-                        <a:t>. </a:t>
+                        <a:t>. (100%)</a:t>
                       </a:r>
                       <a:endParaRPr lang="ko-KR" altLang="en-US" sz="1800" dirty="0"/>
                     </a:p>
@@ -6220,25 +5149,26 @@
                     <a:p>
                       <a:pPr algn="ctr" latinLnBrk="1"/>
                       <a:r>
+                        <a:rPr lang="en-US" altLang="ko-KR" sz="1800" dirty="0"/>
+                        <a:t>2 </a:t>
+                      </a:r>
+                      <a:r>
                         <a:rPr lang="ko-KR" altLang="en-US" sz="1800" dirty="0"/>
-                        <a:t>게임에 어울리는 음악 수집</a:t>
+                        <a:t>스테이지 음악 제작 중</a:t>
                       </a:r>
                       <a:r>
                         <a:rPr lang="en-US" altLang="ko-KR" sz="1800" dirty="0"/>
-                        <a:t>(</a:t>
+                        <a:t>(70%) </a:t>
                       </a:r>
                       <a:r>
                         <a:rPr lang="ko-KR" altLang="en-US" sz="1800" dirty="0"/>
-                        <a:t>제작</a:t>
+                        <a:t>리소스 배치 막바지</a:t>
                       </a:r>
                       <a:r>
                         <a:rPr lang="en-US" altLang="ko-KR" sz="1800" dirty="0"/>
-                        <a:t>), </a:t>
-                      </a:r>
-                      <a:r>
-                        <a:rPr lang="ko-KR" altLang="en-US" sz="1800" dirty="0"/>
-                        <a:t>맵 프로토타입 제작</a:t>
-                      </a:r>
+                        <a:t> (90%)</a:t>
+                      </a:r>
+                      <a:endParaRPr lang="ko-KR" altLang="en-US" sz="1800" dirty="0"/>
                     </a:p>
                   </a:txBody>
                   <a:tcPr anchor="ctr"/>
@@ -6307,19 +5237,11 @@
                       <a:pPr algn="ctr" latinLnBrk="1"/>
                       <a:r>
                         <a:rPr lang="ko-KR" altLang="en-US" sz="1800" dirty="0"/>
-                        <a:t>캐릭터 클래스 제작</a:t>
+                        <a:t>캐릭터 클래스 제작 완료 </a:t>
                       </a:r>
                       <a:r>
                         <a:rPr lang="en-US" altLang="ko-KR" sz="1800" dirty="0"/>
-                        <a:t>, </a:t>
-                      </a:r>
-                      <a:r>
-                        <a:rPr lang="ko-KR" altLang="en-US" sz="1800" dirty="0"/>
-                        <a:t>이후 계속 사용</a:t>
-                      </a:r>
-                      <a:r>
-                        <a:rPr lang="en-US" altLang="ko-KR" sz="1800" dirty="0"/>
-                        <a:t>. </a:t>
+                        <a:t>(100%)</a:t>
                       </a:r>
                       <a:endParaRPr lang="ko-KR" altLang="en-US" sz="1800" dirty="0"/>
                     </a:p>
@@ -6390,8 +5312,13 @@
                       <a:pPr algn="ctr" latinLnBrk="1"/>
                       <a:r>
                         <a:rPr lang="ko-KR" altLang="en-US" sz="1800" dirty="0"/>
-                        <a:t>스테이지 제작을 위한 맵 툴 제작</a:t>
-                      </a:r>
+                        <a:t>맵 툴 제작 완료</a:t>
+                      </a:r>
+                      <a:r>
+                        <a:rPr lang="en-US" altLang="ko-KR" sz="1800" dirty="0"/>
+                        <a:t>(100%)</a:t>
+                      </a:r>
+                      <a:endParaRPr lang="ko-KR" altLang="en-US" sz="1800" dirty="0"/>
                     </a:p>
                   </a:txBody>
                   <a:tcPr anchor="ctr"/>
@@ -6480,7 +5407,7 @@
                   </a:txBody>
                   <a:tcPr anchor="ctr"/>
                 </a:tc>
-                <a:tc>
+                <a:tc rowSpan="2">
                   <a:txBody>
                     <a:bodyPr/>
                     <a:lstStyle/>
@@ -6492,19 +5419,11 @@
                       </a:r>
                       <a:r>
                         <a:rPr lang="ko-KR" altLang="en-US" sz="1800" dirty="0"/>
-                        <a:t>스테이지 필드 우선 제작</a:t>
+                        <a:t>스테이지 개발 중 </a:t>
                       </a:r>
                       <a:r>
                         <a:rPr lang="en-US" altLang="ko-KR" sz="1800" dirty="0"/>
-                        <a:t>, </a:t>
-                      </a:r>
-                      <a:r>
-                        <a:rPr lang="ko-KR" altLang="en-US" sz="1800" dirty="0"/>
-                        <a:t>타이틀 등 제작</a:t>
-                      </a:r>
-                      <a:r>
-                        <a:rPr lang="en-US" altLang="ko-KR" sz="1800" dirty="0"/>
-                        <a:t>.</a:t>
+                        <a:t>(20%)</a:t>
                       </a:r>
                       <a:endParaRPr lang="ko-KR" altLang="en-US" sz="1800" dirty="0"/>
                     </a:p>
@@ -6595,7 +5514,7 @@
                   </a:txBody>
                   <a:tcPr anchor="ctr"/>
                 </a:tc>
-                <a:tc>
+                <a:tc vMerge="1">
                   <a:txBody>
                     <a:bodyPr/>
                     <a:lstStyle/>
@@ -6617,26 +5536,6 @@
                         <a:tabLst/>
                         <a:defRPr/>
                       </a:pPr>
-                      <a:r>
-                        <a:rPr lang="en-US" altLang="ko-KR" sz="1800" dirty="0"/>
-                        <a:t>1</a:t>
-                      </a:r>
-                      <a:r>
-                        <a:rPr lang="ko-KR" altLang="en-US" sz="1800" dirty="0"/>
-                        <a:t>스테이지 최종 제작</a:t>
-                      </a:r>
-                      <a:r>
-                        <a:rPr lang="en-US" altLang="ko-KR" sz="1800" dirty="0"/>
-                        <a:t>, </a:t>
-                      </a:r>
-                      <a:r>
-                        <a:rPr lang="ko-KR" altLang="en-US" sz="1800" dirty="0"/>
-                        <a:t>남은 기본 기능 정리</a:t>
-                      </a:r>
-                      <a:r>
-                        <a:rPr lang="en-US" altLang="ko-KR" sz="1800" dirty="0"/>
-                        <a:t>.</a:t>
-                      </a:r>
                       <a:endParaRPr lang="ko-KR" altLang="en-US" sz="1800" dirty="0"/>
                     </a:p>
                   </a:txBody>
@@ -6750,20 +5649,9 @@
                       </a:pPr>
                       <a:r>
                         <a:rPr lang="en-US" altLang="ko-KR" sz="1800" dirty="0"/>
-                        <a:t>2</a:t>
-                      </a:r>
-                      <a:r>
-                        <a:rPr lang="ko-KR" altLang="en-US" sz="1800" dirty="0"/>
-                        <a:t>스테이지 필드 우선 제작</a:t>
-                      </a:r>
-                      <a:r>
-                        <a:rPr lang="en-US" altLang="ko-KR" sz="1800" dirty="0"/>
-                        <a:t>, </a:t>
-                      </a:r>
-                      <a:r>
-                        <a:rPr lang="ko-KR" altLang="en-US" sz="1800" dirty="0"/>
-                        <a:t>추가 범위 내용들 제작</a:t>
-                      </a:r>
+                        <a:t>-</a:t>
+                      </a:r>
+                      <a:endParaRPr lang="ko-KR" altLang="en-US" sz="1800" dirty="0"/>
                     </a:p>
                   </a:txBody>
                   <a:tcPr anchor="ctr"/>
@@ -6844,36 +5732,9 @@
                       <a:pPr algn="ctr" latinLnBrk="1"/>
                       <a:r>
                         <a:rPr lang="en-US" altLang="ko-KR" sz="1800" dirty="0"/>
-                        <a:t>2</a:t>
-                      </a:r>
-                      <a:r>
-                        <a:rPr lang="ko-KR" altLang="en-US" sz="1800" dirty="0"/>
-                        <a:t>스테이지 최종 제작</a:t>
-                      </a:r>
-                      <a:r>
-                        <a:rPr lang="en-US" altLang="ko-KR" sz="1800" dirty="0"/>
-                        <a:t>, </a:t>
-                      </a:r>
-                      <a:r>
-                        <a:rPr lang="ko-KR" altLang="en-US" sz="1800" dirty="0"/>
-                        <a:t>디버그</a:t>
-                      </a:r>
-                      <a:r>
-                        <a:rPr lang="en-US" altLang="ko-KR" sz="1800" dirty="0"/>
-                        <a:t>, </a:t>
-                      </a:r>
-                      <a:r>
-                        <a:rPr lang="ko-KR" altLang="en-US" sz="1800" dirty="0"/>
-                        <a:t>난이도 조절</a:t>
-                      </a:r>
-                      <a:r>
-                        <a:rPr lang="en-US" altLang="ko-KR" sz="1800" dirty="0"/>
-                        <a:t>, </a:t>
-                      </a:r>
-                      <a:r>
-                        <a:rPr lang="ko-KR" altLang="en-US" sz="1800" dirty="0"/>
-                        <a:t>추가기능 구현</a:t>
-                      </a:r>
+                        <a:t>-</a:t>
+                      </a:r>
+                      <a:endParaRPr lang="ko-KR" altLang="en-US" sz="1800" dirty="0"/>
                     </a:p>
                   </a:txBody>
                   <a:tcPr anchor="ctr"/>
@@ -6941,20 +5802,8 @@
                     <a:p>
                       <a:pPr algn="ctr" latinLnBrk="1"/>
                       <a:r>
-                        <a:rPr lang="ko-KR" altLang="en-US" sz="1800" dirty="0"/>
-                        <a:t>최종 난이도 조절</a:t>
-                      </a:r>
-                      <a:r>
                         <a:rPr lang="en-US" altLang="ko-KR" sz="1800" dirty="0"/>
-                        <a:t>, </a:t>
-                      </a:r>
-                      <a:r>
-                        <a:rPr lang="ko-KR" altLang="en-US" sz="1800" dirty="0"/>
-                        <a:t>스테이지 연출 조절 후 최종 완성</a:t>
-                      </a:r>
-                      <a:r>
-                        <a:rPr lang="en-US" altLang="ko-KR" sz="1800" dirty="0"/>
-                        <a:t>.</a:t>
+                        <a:t>-</a:t>
                       </a:r>
                       <a:endParaRPr lang="ko-KR" altLang="en-US" sz="1800" dirty="0"/>
                     </a:p>
@@ -6984,7 +5833,7 @@
 </p:sld>
 </file>
 
-<file path=ppt/slides/slide8.xml><?xml version="1.0" encoding="utf-8"?>
+<file path=ppt/slides/slide5.xml><?xml version="1.0" encoding="utf-8"?>
 <p:sld xmlns:a="http://schemas.openxmlformats.org/drawingml/2006/main" xmlns:r="http://schemas.openxmlformats.org/officeDocument/2006/relationships" xmlns:p="http://schemas.openxmlformats.org/presentationml/2006/main">
   <p:cSld>
     <p:spTree>
@@ -7001,12 +5850,312 @@
           <a:chExt cx="0" cy="0"/>
         </a:xfrm>
       </p:grpSpPr>
-      <p:sp>
-        <p:nvSpPr>
-          <p:cNvPr id="4" name="TextBox 3">
+      <p:pic>
+        <p:nvPicPr>
+          <p:cNvPr id="4" name="그림 3">
             <a:extLst>
               <a:ext uri="{FF2B5EF4-FFF2-40B4-BE49-F238E27FC236}">
-                <a16:creationId xmlns:a16="http://schemas.microsoft.com/office/drawing/2014/main" id="{897EEB3D-F879-4531-BC67-A9240BB569B4}"/>
+                <a16:creationId xmlns:a16="http://schemas.microsoft.com/office/drawing/2014/main" id="{E50B97F6-DF7E-49D2-BE8E-DD44ABE5139E}"/>
+              </a:ext>
+            </a:extLst>
+          </p:cNvPr>
+          <p:cNvPicPr>
+            <a:picLocks noChangeAspect="1"/>
+          </p:cNvPicPr>
+          <p:nvPr/>
+        </p:nvPicPr>
+        <p:blipFill>
+          <a:blip r:embed="rId2"/>
+          <a:stretch>
+            <a:fillRect/>
+          </a:stretch>
+        </p:blipFill>
+        <p:spPr>
+          <a:xfrm>
+            <a:off x="0" y="0"/>
+            <a:ext cx="9980908" cy="6051178"/>
+          </a:xfrm>
+          <a:prstGeom prst="rect">
+            <a:avLst/>
+          </a:prstGeom>
+        </p:spPr>
+      </p:pic>
+    </p:spTree>
+    <p:extLst>
+      <p:ext uri="{BB962C8B-B14F-4D97-AF65-F5344CB8AC3E}">
+        <p14:creationId xmlns:p14="http://schemas.microsoft.com/office/powerpoint/2010/main" val="2717451585"/>
+      </p:ext>
+    </p:extLst>
+  </p:cSld>
+  <p:clrMapOvr>
+    <a:masterClrMapping/>
+  </p:clrMapOvr>
+</p:sld>
+</file>
+
+<file path=ppt/slides/slide6.xml><?xml version="1.0" encoding="utf-8"?>
+<p:sld xmlns:a="http://schemas.openxmlformats.org/drawingml/2006/main" xmlns:r="http://schemas.openxmlformats.org/officeDocument/2006/relationships" xmlns:p="http://schemas.openxmlformats.org/presentationml/2006/main">
+  <p:cSld>
+    <p:spTree>
+      <p:nvGrpSpPr>
+        <p:cNvPr id="1" name=""/>
+        <p:cNvGrpSpPr/>
+        <p:nvPr/>
+      </p:nvGrpSpPr>
+      <p:grpSpPr>
+        <a:xfrm>
+          <a:off x="0" y="0"/>
+          <a:ext cx="0" cy="0"/>
+          <a:chOff x="0" y="0"/>
+          <a:chExt cx="0" cy="0"/>
+        </a:xfrm>
+      </p:grpSpPr>
+      <p:pic>
+        <p:nvPicPr>
+          <p:cNvPr id="4" name="그림 3">
+            <a:extLst>
+              <a:ext uri="{FF2B5EF4-FFF2-40B4-BE49-F238E27FC236}">
+                <a16:creationId xmlns:a16="http://schemas.microsoft.com/office/drawing/2014/main" id="{F56E0C52-F089-4A48-AB81-A18DE40CFF7C}"/>
+              </a:ext>
+            </a:extLst>
+          </p:cNvPr>
+          <p:cNvPicPr>
+            <a:picLocks noChangeAspect="1"/>
+          </p:cNvPicPr>
+          <p:nvPr/>
+        </p:nvPicPr>
+        <p:blipFill>
+          <a:blip r:embed="rId2"/>
+          <a:stretch>
+            <a:fillRect/>
+          </a:stretch>
+        </p:blipFill>
+        <p:spPr>
+          <a:xfrm>
+            <a:off x="0" y="0"/>
+            <a:ext cx="2590800" cy="3343275"/>
+          </a:xfrm>
+          <a:prstGeom prst="rect">
+            <a:avLst/>
+          </a:prstGeom>
+        </p:spPr>
+      </p:pic>
+      <p:pic>
+        <p:nvPicPr>
+          <p:cNvPr id="5" name="그림 4">
+            <a:extLst>
+              <a:ext uri="{FF2B5EF4-FFF2-40B4-BE49-F238E27FC236}">
+                <a16:creationId xmlns:a16="http://schemas.microsoft.com/office/drawing/2014/main" id="{056FAC4D-112F-46EF-893E-E39D13DE8BE3}"/>
+              </a:ext>
+            </a:extLst>
+          </p:cNvPr>
+          <p:cNvPicPr>
+            <a:picLocks noChangeAspect="1"/>
+          </p:cNvPicPr>
+          <p:nvPr/>
+        </p:nvPicPr>
+        <p:blipFill>
+          <a:blip r:embed="rId3"/>
+          <a:stretch>
+            <a:fillRect/>
+          </a:stretch>
+        </p:blipFill>
+        <p:spPr>
+          <a:xfrm>
+            <a:off x="1609725" y="0"/>
+            <a:ext cx="2590800" cy="4333875"/>
+          </a:xfrm>
+          <a:prstGeom prst="rect">
+            <a:avLst/>
+          </a:prstGeom>
+        </p:spPr>
+      </p:pic>
+      <p:pic>
+        <p:nvPicPr>
+          <p:cNvPr id="10" name="그림 9">
+            <a:extLst>
+              <a:ext uri="{FF2B5EF4-FFF2-40B4-BE49-F238E27FC236}">
+                <a16:creationId xmlns:a16="http://schemas.microsoft.com/office/drawing/2014/main" id="{5A69B4E4-7FEC-42A8-BD04-406346103A52}"/>
+              </a:ext>
+            </a:extLst>
+          </p:cNvPr>
+          <p:cNvPicPr>
+            <a:picLocks noChangeAspect="1"/>
+          </p:cNvPicPr>
+          <p:nvPr/>
+        </p:nvPicPr>
+        <p:blipFill>
+          <a:blip r:embed="rId4"/>
+          <a:stretch>
+            <a:fillRect/>
+          </a:stretch>
+        </p:blipFill>
+        <p:spPr>
+          <a:xfrm>
+            <a:off x="6501384" y="4752974"/>
+            <a:ext cx="1762125" cy="923925"/>
+          </a:xfrm>
+          <a:prstGeom prst="rect">
+            <a:avLst/>
+          </a:prstGeom>
+        </p:spPr>
+      </p:pic>
+      <p:pic>
+        <p:nvPicPr>
+          <p:cNvPr id="6" name="그림 5">
+            <a:extLst>
+              <a:ext uri="{FF2B5EF4-FFF2-40B4-BE49-F238E27FC236}">
+                <a16:creationId xmlns:a16="http://schemas.microsoft.com/office/drawing/2014/main" id="{744E5DD9-BE7B-4A33-AC80-DCAB26B7781E}"/>
+              </a:ext>
+            </a:extLst>
+          </p:cNvPr>
+          <p:cNvPicPr>
+            <a:picLocks noChangeAspect="1"/>
+          </p:cNvPicPr>
+          <p:nvPr/>
+        </p:nvPicPr>
+        <p:blipFill>
+          <a:blip r:embed="rId5"/>
+          <a:stretch>
+            <a:fillRect/>
+          </a:stretch>
+        </p:blipFill>
+        <p:spPr>
+          <a:xfrm>
+            <a:off x="3219450" y="0"/>
+            <a:ext cx="2571750" cy="5267325"/>
+          </a:xfrm>
+          <a:prstGeom prst="rect">
+            <a:avLst/>
+          </a:prstGeom>
+        </p:spPr>
+      </p:pic>
+      <p:pic>
+        <p:nvPicPr>
+          <p:cNvPr id="7" name="그림 6">
+            <a:extLst>
+              <a:ext uri="{FF2B5EF4-FFF2-40B4-BE49-F238E27FC236}">
+                <a16:creationId xmlns:a16="http://schemas.microsoft.com/office/drawing/2014/main" id="{EA5187F2-F47A-457E-A671-0594FCA31A5D}"/>
+              </a:ext>
+            </a:extLst>
+          </p:cNvPr>
+          <p:cNvPicPr>
+            <a:picLocks noChangeAspect="1"/>
+          </p:cNvPicPr>
+          <p:nvPr/>
+        </p:nvPicPr>
+        <p:blipFill>
+          <a:blip r:embed="rId6"/>
+          <a:stretch>
+            <a:fillRect/>
+          </a:stretch>
+        </p:blipFill>
+        <p:spPr>
+          <a:xfrm>
+            <a:off x="4791075" y="0"/>
+            <a:ext cx="2609850" cy="4781550"/>
+          </a:xfrm>
+          <a:prstGeom prst="rect">
+            <a:avLst/>
+          </a:prstGeom>
+        </p:spPr>
+      </p:pic>
+      <p:pic>
+        <p:nvPicPr>
+          <p:cNvPr id="9" name="그림 8">
+            <a:extLst>
+              <a:ext uri="{FF2B5EF4-FFF2-40B4-BE49-F238E27FC236}">
+                <a16:creationId xmlns:a16="http://schemas.microsoft.com/office/drawing/2014/main" id="{83B61CEC-587D-4065-8DAF-894FE783063B}"/>
+              </a:ext>
+            </a:extLst>
+          </p:cNvPr>
+          <p:cNvPicPr>
+            <a:picLocks noChangeAspect="1"/>
+          </p:cNvPicPr>
+          <p:nvPr/>
+        </p:nvPicPr>
+        <p:blipFill>
+          <a:blip r:embed="rId7"/>
+          <a:stretch>
+            <a:fillRect/>
+          </a:stretch>
+        </p:blipFill>
+        <p:spPr>
+          <a:xfrm>
+            <a:off x="4790270" y="4767262"/>
+            <a:ext cx="1685925" cy="1000125"/>
+          </a:xfrm>
+          <a:prstGeom prst="rect">
+            <a:avLst/>
+          </a:prstGeom>
+        </p:spPr>
+      </p:pic>
+      <p:pic>
+        <p:nvPicPr>
+          <p:cNvPr id="8" name="그림 7">
+            <a:extLst>
+              <a:ext uri="{FF2B5EF4-FFF2-40B4-BE49-F238E27FC236}">
+                <a16:creationId xmlns:a16="http://schemas.microsoft.com/office/drawing/2014/main" id="{6AC33C67-AA1A-42C6-BCA6-4BBA94387332}"/>
+              </a:ext>
+            </a:extLst>
+          </p:cNvPr>
+          <p:cNvPicPr>
+            <a:picLocks noChangeAspect="1"/>
+          </p:cNvPicPr>
+          <p:nvPr/>
+        </p:nvPicPr>
+        <p:blipFill>
+          <a:blip r:embed="rId8"/>
+          <a:stretch>
+            <a:fillRect/>
+          </a:stretch>
+        </p:blipFill>
+        <p:spPr>
+          <a:xfrm>
+            <a:off x="6476195" y="-1"/>
+            <a:ext cx="2609850" cy="3819525"/>
+          </a:xfrm>
+          <a:prstGeom prst="rect">
+            <a:avLst/>
+          </a:prstGeom>
+        </p:spPr>
+      </p:pic>
+      <p:pic>
+        <p:nvPicPr>
+          <p:cNvPr id="12" name="그림 11">
+            <a:extLst>
+              <a:ext uri="{FF2B5EF4-FFF2-40B4-BE49-F238E27FC236}">
+                <a16:creationId xmlns:a16="http://schemas.microsoft.com/office/drawing/2014/main" id="{9D68F515-B926-48B7-B072-E00123DCB1CC}"/>
+              </a:ext>
+            </a:extLst>
+          </p:cNvPr>
+          <p:cNvPicPr>
+            <a:picLocks noChangeAspect="1"/>
+          </p:cNvPicPr>
+          <p:nvPr/>
+        </p:nvPicPr>
+        <p:blipFill>
+          <a:blip r:embed="rId9"/>
+          <a:stretch>
+            <a:fillRect/>
+          </a:stretch>
+        </p:blipFill>
+        <p:spPr>
+          <a:xfrm>
+            <a:off x="6501384" y="3819524"/>
+            <a:ext cx="1762125" cy="933450"/>
+          </a:xfrm>
+          <a:prstGeom prst="rect">
+            <a:avLst/>
+          </a:prstGeom>
+        </p:spPr>
+      </p:pic>
+      <p:sp>
+        <p:nvSpPr>
+          <p:cNvPr id="13" name="TextBox 12">
+            <a:extLst>
+              <a:ext uri="{FF2B5EF4-FFF2-40B4-BE49-F238E27FC236}">
+                <a16:creationId xmlns:a16="http://schemas.microsoft.com/office/drawing/2014/main" id="{AC2C8E7D-91D7-4A17-A1A6-D4E54FED0848}"/>
               </a:ext>
             </a:extLst>
           </p:cNvPr>
@@ -7015,8 +6164,8 @@
         </p:nvSpPr>
         <p:spPr>
           <a:xfrm>
-            <a:off x="8994195" y="1002326"/>
-            <a:ext cx="2921000" cy="830997"/>
+            <a:off x="10432473" y="2780608"/>
+            <a:ext cx="1759527" cy="369332"/>
           </a:xfrm>
           <a:prstGeom prst="rect">
             <a:avLst/>
@@ -7030,19 +6179,52 @@
           <a:lstStyle/>
           <a:p>
             <a:r>
-              <a:rPr lang="en-US" altLang="ko-KR" sz="4800" dirty="0"/>
-              <a:t>The END</a:t>
-            </a:r>
-            <a:endParaRPr lang="ko-KR" altLang="en-US" sz="4800" dirty="0"/>
-          </a:p>
-        </p:txBody>
-      </p:sp>
-      <p:sp>
-        <p:nvSpPr>
-          <p:cNvPr id="5" name="TextBox 4">
+              <a:rPr lang="en-US" altLang="ko-KR" dirty="0"/>
+              <a:t>+ </a:t>
+            </a:r>
+            <a:r>
+              <a:rPr lang="ko-KR" altLang="en-US" dirty="0"/>
+              <a:t>리소스 수집</a:t>
+            </a:r>
+          </a:p>
+        </p:txBody>
+      </p:sp>
+      <p:pic>
+        <p:nvPicPr>
+          <p:cNvPr id="11" name="그림 10">
             <a:extLst>
               <a:ext uri="{FF2B5EF4-FFF2-40B4-BE49-F238E27FC236}">
-                <a16:creationId xmlns:a16="http://schemas.microsoft.com/office/drawing/2014/main" id="{7C5B6BA7-819E-4F2A-9349-E3042EC6F358}"/>
+                <a16:creationId xmlns:a16="http://schemas.microsoft.com/office/drawing/2014/main" id="{A02A345F-876C-4DF0-9BAD-F4C0556963B5}"/>
+              </a:ext>
+            </a:extLst>
+          </p:cNvPr>
+          <p:cNvPicPr>
+            <a:picLocks noChangeAspect="1"/>
+          </p:cNvPicPr>
+          <p:nvPr/>
+        </p:nvPicPr>
+        <p:blipFill>
+          <a:blip r:embed="rId10"/>
+          <a:stretch>
+            <a:fillRect/>
+          </a:stretch>
+        </p:blipFill>
+        <p:spPr>
+          <a:xfrm>
+            <a:off x="8161315" y="-2"/>
+            <a:ext cx="1962150" cy="5695950"/>
+          </a:xfrm>
+          <a:prstGeom prst="rect">
+            <a:avLst/>
+          </a:prstGeom>
+        </p:spPr>
+      </p:pic>
+      <p:sp>
+        <p:nvSpPr>
+          <p:cNvPr id="14" name="TextBox 13">
+            <a:extLst>
+              <a:ext uri="{FF2B5EF4-FFF2-40B4-BE49-F238E27FC236}">
+                <a16:creationId xmlns:a16="http://schemas.microsoft.com/office/drawing/2014/main" id="{5717EFF4-7161-4D97-82BC-E003BF940CEA}"/>
               </a:ext>
             </a:extLst>
           </p:cNvPr>
@@ -7051,8 +6233,8 @@
         </p:nvSpPr>
         <p:spPr>
           <a:xfrm>
-            <a:off x="9690100" y="1769823"/>
-            <a:ext cx="2047295" cy="461665"/>
+            <a:off x="110144" y="5582721"/>
+            <a:ext cx="3173384" cy="369332"/>
           </a:xfrm>
           <a:prstGeom prst="rect">
             <a:avLst/>
@@ -7066,17 +6248,32 @@
           <a:lstStyle/>
           <a:p>
             <a:r>
-              <a:rPr lang="en-US" altLang="ko-KR" sz="2400" dirty="0"/>
-              <a:t>Thank you!</a:t>
-            </a:r>
-            <a:endParaRPr lang="ko-KR" altLang="en-US" sz="2400" dirty="0"/>
+              <a:rPr lang="ko-KR" altLang="en-US" dirty="0"/>
+              <a:t>총 프로젝트 관련 </a:t>
+            </a:r>
+            <a:r>
+              <a:rPr lang="ko-KR" altLang="en-US" dirty="0" err="1"/>
+              <a:t>커밋</a:t>
+            </a:r>
+            <a:r>
+              <a:rPr lang="ko-KR" altLang="en-US" dirty="0"/>
+              <a:t> </a:t>
+            </a:r>
+            <a:r>
+              <a:rPr lang="en-US" altLang="ko-KR" dirty="0"/>
+              <a:t>: 68</a:t>
+            </a:r>
+            <a:r>
+              <a:rPr lang="ko-KR" altLang="en-US" dirty="0"/>
+              <a:t>회</a:t>
+            </a:r>
           </a:p>
         </p:txBody>
       </p:sp>
     </p:spTree>
     <p:extLst>
       <p:ext uri="{BB962C8B-B14F-4D97-AF65-F5344CB8AC3E}">
-        <p14:creationId xmlns:p14="http://schemas.microsoft.com/office/powerpoint/2010/main" val="2850395628"/>
+        <p14:creationId xmlns:p14="http://schemas.microsoft.com/office/powerpoint/2010/main" val="3143458749"/>
       </p:ext>
     </p:extLst>
   </p:cSld>
